--- a/Paper/Figures/UltraUnlock/gestures.pptx
+++ b/Paper/Figures/UltraUnlock/gestures.pptx
@@ -104,6 +104,11 @@
       </a:defRPr>
     </a:lvl9pPr>
   </p:defaultTextStyle>
+  <p:extLst>
+    <p:ext uri="{EFAFB233-063F-42B5-8137-9DF3F51BA10A}">
+      <p15:sldGuideLst xmlns:p15="http://schemas.microsoft.com/office/powerpoint/2012/main"/>
+    </p:ext>
+  </p:extLst>
 </p:presentation>
 </file>
 
@@ -238,7 +243,7 @@
           <a:p>
             <a:fld id="{133237A2-5675-8C46-A7EA-D2BD69A3A2ED}" type="datetimeFigureOut">
               <a:rPr lang="en-US" smtClean="0"/>
-              <a:t>5/4/20</a:t>
+              <a:t>5/8/20</a:t>
             </a:fld>
             <a:endParaRPr lang="en-US"/>
           </a:p>
@@ -408,7 +413,7 @@
           <a:p>
             <a:fld id="{133237A2-5675-8C46-A7EA-D2BD69A3A2ED}" type="datetimeFigureOut">
               <a:rPr lang="en-US" smtClean="0"/>
-              <a:t>5/4/20</a:t>
+              <a:t>5/8/20</a:t>
             </a:fld>
             <a:endParaRPr lang="en-US"/>
           </a:p>
@@ -588,7 +593,7 @@
           <a:p>
             <a:fld id="{133237A2-5675-8C46-A7EA-D2BD69A3A2ED}" type="datetimeFigureOut">
               <a:rPr lang="en-US" smtClean="0"/>
-              <a:t>5/4/20</a:t>
+              <a:t>5/8/20</a:t>
             </a:fld>
             <a:endParaRPr lang="en-US"/>
           </a:p>
@@ -758,7 +763,7 @@
           <a:p>
             <a:fld id="{133237A2-5675-8C46-A7EA-D2BD69A3A2ED}" type="datetimeFigureOut">
               <a:rPr lang="en-US" smtClean="0"/>
-              <a:t>5/4/20</a:t>
+              <a:t>5/8/20</a:t>
             </a:fld>
             <a:endParaRPr lang="en-US"/>
           </a:p>
@@ -1004,7 +1009,7 @@
           <a:p>
             <a:fld id="{133237A2-5675-8C46-A7EA-D2BD69A3A2ED}" type="datetimeFigureOut">
               <a:rPr lang="en-US" smtClean="0"/>
-              <a:t>5/4/20</a:t>
+              <a:t>5/8/20</a:t>
             </a:fld>
             <a:endParaRPr lang="en-US"/>
           </a:p>
@@ -1236,7 +1241,7 @@
           <a:p>
             <a:fld id="{133237A2-5675-8C46-A7EA-D2BD69A3A2ED}" type="datetimeFigureOut">
               <a:rPr lang="en-US" smtClean="0"/>
-              <a:t>5/4/20</a:t>
+              <a:t>5/8/20</a:t>
             </a:fld>
             <a:endParaRPr lang="en-US"/>
           </a:p>
@@ -1603,7 +1608,7 @@
           <a:p>
             <a:fld id="{133237A2-5675-8C46-A7EA-D2BD69A3A2ED}" type="datetimeFigureOut">
               <a:rPr lang="en-US" smtClean="0"/>
-              <a:t>5/4/20</a:t>
+              <a:t>5/8/20</a:t>
             </a:fld>
             <a:endParaRPr lang="en-US"/>
           </a:p>
@@ -1721,7 +1726,7 @@
           <a:p>
             <a:fld id="{133237A2-5675-8C46-A7EA-D2BD69A3A2ED}" type="datetimeFigureOut">
               <a:rPr lang="en-US" smtClean="0"/>
-              <a:t>5/4/20</a:t>
+              <a:t>5/8/20</a:t>
             </a:fld>
             <a:endParaRPr lang="en-US"/>
           </a:p>
@@ -1816,7 +1821,7 @@
           <a:p>
             <a:fld id="{133237A2-5675-8C46-A7EA-D2BD69A3A2ED}" type="datetimeFigureOut">
               <a:rPr lang="en-US" smtClean="0"/>
-              <a:t>5/4/20</a:t>
+              <a:t>5/8/20</a:t>
             </a:fld>
             <a:endParaRPr lang="en-US"/>
           </a:p>
@@ -2093,7 +2098,7 @@
           <a:p>
             <a:fld id="{133237A2-5675-8C46-A7EA-D2BD69A3A2ED}" type="datetimeFigureOut">
               <a:rPr lang="en-US" smtClean="0"/>
-              <a:t>5/4/20</a:t>
+              <a:t>5/8/20</a:t>
             </a:fld>
             <a:endParaRPr lang="en-US"/>
           </a:p>
@@ -2350,7 +2355,7 @@
           <a:p>
             <a:fld id="{133237A2-5675-8C46-A7EA-D2BD69A3A2ED}" type="datetimeFigureOut">
               <a:rPr lang="en-US" smtClean="0"/>
-              <a:t>5/4/20</a:t>
+              <a:t>5/8/20</a:t>
             </a:fld>
             <a:endParaRPr lang="en-US"/>
           </a:p>
@@ -2563,7 +2568,7 @@
           <a:p>
             <a:fld id="{133237A2-5675-8C46-A7EA-D2BD69A3A2ED}" type="datetimeFigureOut">
               <a:rPr lang="en-US" smtClean="0"/>
-              <a:t>5/4/20</a:t>
+              <a:t>5/8/20</a:t>
             </a:fld>
             <a:endParaRPr lang="en-US"/>
           </a:p>
@@ -3045,6 +3050,11 @@
             <a:prstGeom prst="rect">
               <a:avLst/>
             </a:prstGeom>
+            <a:ln>
+              <a:solidFill>
+                <a:schemeClr val="bg1"/>
+              </a:solidFill>
+            </a:ln>
             <a:scene3d>
               <a:camera prst="orthographicFront">
                 <a:rot lat="20999999" lon="19199967" rev="21299999"/>
@@ -3305,6 +3315,11 @@
           <a:prstGeom prst="rect">
             <a:avLst/>
           </a:prstGeom>
+          <a:ln>
+            <a:solidFill>
+              <a:schemeClr val="bg1"/>
+            </a:solidFill>
+          </a:ln>
           <a:scene3d>
             <a:camera prst="orthographicFront">
               <a:rot lat="20999999" lon="19199967" rev="21299999"/>
@@ -3340,6 +3355,11 @@
           <a:prstGeom prst="rect">
             <a:avLst/>
           </a:prstGeom>
+          <a:ln>
+            <a:solidFill>
+              <a:schemeClr val="bg1"/>
+            </a:solidFill>
+          </a:ln>
           <a:scene3d>
             <a:camera prst="orthographicFront">
               <a:rot lat="20999999" lon="19199967" rev="21299999"/>
@@ -3425,6 +3445,11 @@
             <a:prstGeom prst="rect">
               <a:avLst/>
             </a:prstGeom>
+            <a:ln>
+              <a:solidFill>
+                <a:schemeClr val="bg1"/>
+              </a:solidFill>
+            </a:ln>
             <a:scene3d>
               <a:camera prst="orthographicFront">
                 <a:rot lat="20999999" lon="19199967" rev="21299999"/>
